--- a/resources/dy.pptx
+++ b/resources/dy.pptx
@@ -10,7 +10,6 @@
     <p:sldId id="258" r:id="rId4"/>
     <p:sldId id="259" r:id="rId5"/>
     <p:sldId id="260" r:id="rId6"/>
-    <p:sldId id="261" r:id="rId7"/>
   </p:sldIdLst>
   <p:sldSz cx="12192000" cy="6858000"/>
   <p:notesSz cx="6858000" cy="9144000"/>
@@ -109,6 +108,11 @@
       </a:defRPr>
     </a:lvl9pPr>
   </p:defaultTextStyle>
+  <p:extLst>
+    <p:ext uri="{EFAFB233-063F-42B5-8137-9DF3F51BA10A}">
+      <p15:sldGuideLst xmlns:p15="http://schemas.microsoft.com/office/powerpoint/2012/main"/>
+    </p:ext>
+  </p:extLst>
 </p:presentation>
 </file>
 
@@ -5675,809 +5679,6 @@
 </p:sld>
 </file>
 
-<file path=ppt/slides/slide6.xml><?xml version="1.0" encoding="utf-8"?>
-<p:sld xmlns:a="http://schemas.openxmlformats.org/drawingml/2006/main" xmlns:r="http://schemas.openxmlformats.org/officeDocument/2006/relationships" xmlns:p="http://schemas.openxmlformats.org/presentationml/2006/main">
-  <p:cSld>
-    <p:spTree>
-      <p:nvGrpSpPr>
-        <p:cNvPr id="1" name="">
-          <a:extLst>
-            <a:ext uri="{FF2B5EF4-FFF2-40B4-BE49-F238E27FC236}">
-              <a16:creationId xmlns:a16="http://schemas.microsoft.com/office/drawing/2014/main" id="{1CDE4E44-EC17-8B60-6894-A9F0902871DA}"/>
-            </a:ext>
-          </a:extLst>
-        </p:cNvPr>
-        <p:cNvGrpSpPr/>
-        <p:nvPr/>
-      </p:nvGrpSpPr>
-      <p:grpSpPr>
-        <a:xfrm>
-          <a:off x="0" y="0"/>
-          <a:ext cx="0" cy="0"/>
-          <a:chOff x="0" y="0"/>
-          <a:chExt cx="0" cy="0"/>
-        </a:xfrm>
-      </p:grpSpPr>
-      <p:sp>
-        <p:nvSpPr>
-          <p:cNvPr id="2" name="文本框 1">
-            <a:extLst>
-              <a:ext uri="{FF2B5EF4-FFF2-40B4-BE49-F238E27FC236}">
-                <a16:creationId xmlns:a16="http://schemas.microsoft.com/office/drawing/2014/main" id="{A9B4CDB8-C3B8-41CD-D80B-D64AB05B5415}"/>
-              </a:ext>
-            </a:extLst>
-          </p:cNvPr>
-          <p:cNvSpPr txBox="1"/>
-          <p:nvPr/>
-        </p:nvSpPr>
-        <p:spPr>
-          <a:xfrm>
-            <a:off x="470262" y="653144"/>
-            <a:ext cx="3177473" cy="984885"/>
-          </a:xfrm>
-          <a:prstGeom prst="rect">
-            <a:avLst/>
-          </a:prstGeom>
-          <a:noFill/>
-        </p:spPr>
-        <p:txBody>
-          <a:bodyPr wrap="none" rtlCol="0">
-            <a:spAutoFit/>
-          </a:bodyPr>
-          <a:lstStyle/>
-          <a:p>
-            <a:r>
-              <a:rPr lang="zh-CN" altLang="en-US" sz="4000" dirty="0">
-                <a:latin typeface="华文新魏" panose="02010800040101010101" pitchFamily="2" charset="-122"/>
-                <a:ea typeface="华文新魏" panose="02010800040101010101" pitchFamily="2" charset="-122"/>
-              </a:rPr>
-              <a:t>文献</a:t>
-            </a:r>
-            <a:r>
-              <a:rPr lang="en-US" altLang="zh-CN" sz="4000" dirty="0">
-                <a:latin typeface="华文新魏" panose="02010800040101010101" pitchFamily="2" charset="-122"/>
-                <a:ea typeface="华文新魏" panose="02010800040101010101" pitchFamily="2" charset="-122"/>
-              </a:rPr>
-              <a:t>&amp;</a:t>
-            </a:r>
-            <a:r>
-              <a:rPr lang="zh-CN" altLang="en-US" sz="4000" dirty="0">
-                <a:latin typeface="华文新魏" panose="02010800040101010101" pitchFamily="2" charset="-122"/>
-                <a:ea typeface="华文新魏" panose="02010800040101010101" pitchFamily="2" charset="-122"/>
-              </a:rPr>
-              <a:t>史料：</a:t>
-            </a:r>
-            <a:endParaRPr lang="en-US" altLang="zh-CN" b="0" i="0" dirty="0">
-              <a:solidFill>
-                <a:srgbClr val="333333"/>
-              </a:solidFill>
-              <a:effectLst/>
-              <a:latin typeface="华文宋体" panose="02010600040101010101" pitchFamily="2" charset="-122"/>
-              <a:ea typeface="华文宋体" panose="02010600040101010101" pitchFamily="2" charset="-122"/>
-            </a:endParaRPr>
-          </a:p>
-          <a:p>
-            <a:endParaRPr lang="zh-CN" altLang="en-US" dirty="0"/>
-          </a:p>
-        </p:txBody>
-      </p:sp>
-      <p:sp>
-        <p:nvSpPr>
-          <p:cNvPr id="7" name="文本框 6">
-            <a:extLst>
-              <a:ext uri="{FF2B5EF4-FFF2-40B4-BE49-F238E27FC236}">
-                <a16:creationId xmlns:a16="http://schemas.microsoft.com/office/drawing/2014/main" id="{D4A858A7-E92E-EF66-8613-DE610E4D899E}"/>
-              </a:ext>
-            </a:extLst>
-          </p:cNvPr>
-          <p:cNvSpPr txBox="1"/>
-          <p:nvPr/>
-        </p:nvSpPr>
-        <p:spPr>
-          <a:xfrm>
-            <a:off x="264794" y="2137387"/>
-            <a:ext cx="11662412" cy="4121065"/>
-          </a:xfrm>
-          <a:prstGeom prst="rect">
-            <a:avLst/>
-          </a:prstGeom>
-          <a:noFill/>
-        </p:spPr>
-        <p:txBody>
-          <a:bodyPr wrap="square">
-            <a:spAutoFit/>
-          </a:bodyPr>
-          <a:lstStyle/>
-          <a:p>
-            <a:pPr algn="l">
-              <a:lnSpc>
-                <a:spcPts val="1800"/>
-              </a:lnSpc>
-              <a:spcAft>
-                <a:spcPts val="1125"/>
-              </a:spcAft>
-              <a:buNone/>
-            </a:pPr>
-            <a:r>
-              <a:rPr lang="zh-CN" altLang="en-US" b="1" i="0" dirty="0">
-                <a:solidFill>
-                  <a:srgbClr val="00B050"/>
-                </a:solidFill>
-                <a:effectLst/>
-                <a:latin typeface="Helvetica Neue"/>
-              </a:rPr>
-              <a:t>“星回”一词，</a:t>
-            </a:r>
-            <a:r>
-              <a:rPr lang="en-US" altLang="zh-CN" b="1" i="0" dirty="0">
-                <a:solidFill>
-                  <a:srgbClr val="00B050"/>
-                </a:solidFill>
-                <a:effectLst/>
-                <a:latin typeface="Helvetica Neue"/>
-              </a:rPr>
-              <a:t>《</a:t>
-            </a:r>
-            <a:r>
-              <a:rPr lang="zh-CN" altLang="en-US" b="1" i="0" dirty="0">
-                <a:solidFill>
-                  <a:srgbClr val="00B050"/>
-                </a:solidFill>
-                <a:effectLst/>
-                <a:latin typeface="Helvetica Neue"/>
-              </a:rPr>
-              <a:t>礼记</a:t>
-            </a:r>
-            <a:r>
-              <a:rPr lang="en-US" altLang="zh-CN" b="1" i="0" dirty="0">
-                <a:solidFill>
-                  <a:srgbClr val="00B050"/>
-                </a:solidFill>
-                <a:effectLst/>
-                <a:latin typeface="Helvetica Neue"/>
-              </a:rPr>
-              <a:t>·</a:t>
-            </a:r>
-            <a:r>
-              <a:rPr lang="zh-CN" altLang="en-US" b="1" i="0" dirty="0">
-                <a:solidFill>
-                  <a:srgbClr val="00B050"/>
-                </a:solidFill>
-                <a:effectLst/>
-                <a:latin typeface="Helvetica Neue"/>
-              </a:rPr>
-              <a:t>月令</a:t>
-            </a:r>
-            <a:r>
-              <a:rPr lang="en-US" altLang="zh-CN" b="1" i="0" dirty="0">
-                <a:solidFill>
-                  <a:srgbClr val="00B050"/>
-                </a:solidFill>
-                <a:effectLst/>
-                <a:latin typeface="Helvetica Neue"/>
-              </a:rPr>
-              <a:t>·</a:t>
-            </a:r>
-            <a:r>
-              <a:rPr lang="zh-CN" altLang="en-US" b="1" i="0" dirty="0">
-                <a:solidFill>
-                  <a:srgbClr val="00B050"/>
-                </a:solidFill>
-                <a:effectLst/>
-                <a:latin typeface="Helvetica Neue"/>
-              </a:rPr>
-              <a:t>季冬之月</a:t>
-            </a:r>
-            <a:r>
-              <a:rPr lang="en-US" altLang="zh-CN" b="1" i="0" dirty="0">
-                <a:solidFill>
-                  <a:srgbClr val="00B050"/>
-                </a:solidFill>
-                <a:effectLst/>
-                <a:latin typeface="Helvetica Neue"/>
-              </a:rPr>
-              <a:t>》</a:t>
-            </a:r>
-            <a:r>
-              <a:rPr lang="zh-CN" altLang="en-US" b="1" i="0" dirty="0">
-                <a:solidFill>
-                  <a:srgbClr val="00B050"/>
-                </a:solidFill>
-                <a:effectLst/>
-                <a:latin typeface="Helvetica Neue"/>
-              </a:rPr>
-              <a:t>上有记载：“是月也，日穷于次，月穷于纪，星回于天，数将几终。岁且更始。”孔颖达解释说：“谓二十八宿随天而行，每日虽周天一匝，早晚不同，至于此月，复其故处，与去年季冬早晚相似，故云星回于天。”星回“一词源自白语，即</a:t>
-            </a:r>
-            <a:r>
-              <a:rPr lang="en-US" altLang="zh-CN" b="1" i="0" dirty="0" err="1">
-                <a:solidFill>
-                  <a:srgbClr val="00B050"/>
-                </a:solidFill>
-                <a:effectLst/>
-                <a:latin typeface="Helvetica Neue"/>
-              </a:rPr>
-              <a:t>xinl</a:t>
-            </a:r>
-            <a:r>
-              <a:rPr lang="zh-CN" altLang="en-US" b="1" i="0" dirty="0">
-                <a:solidFill>
-                  <a:srgbClr val="00B050"/>
-                </a:solidFill>
-                <a:effectLst/>
-                <a:latin typeface="Helvetica Neue"/>
-              </a:rPr>
-              <a:t>（柴）</a:t>
-            </a:r>
-            <a:r>
-              <a:rPr lang="en-US" altLang="zh-CN" b="1" i="0" dirty="0" err="1">
-                <a:solidFill>
-                  <a:srgbClr val="00B050"/>
-                </a:solidFill>
-                <a:effectLst/>
-                <a:latin typeface="Helvetica Neue"/>
-              </a:rPr>
-              <a:t>huix</a:t>
-            </a:r>
-            <a:r>
-              <a:rPr lang="zh-CN" altLang="en-US" b="1" i="0" dirty="0">
-                <a:solidFill>
-                  <a:srgbClr val="00B050"/>
-                </a:solidFill>
-                <a:effectLst/>
-                <a:latin typeface="Helvetica Neue"/>
-              </a:rPr>
-              <a:t>（火）。</a:t>
-            </a:r>
-          </a:p>
-          <a:p>
-            <a:pPr algn="l">
-              <a:lnSpc>
-                <a:spcPts val="1800"/>
-              </a:lnSpc>
-              <a:spcAft>
-                <a:spcPts val="1125"/>
-              </a:spcAft>
-              <a:buNone/>
-            </a:pPr>
-            <a:r>
-              <a:rPr lang="en-US" altLang="zh-CN" b="1" i="0" dirty="0">
-                <a:solidFill>
-                  <a:srgbClr val="00B050"/>
-                </a:solidFill>
-                <a:effectLst/>
-                <a:latin typeface="Helvetica Neue"/>
-              </a:rPr>
-              <a:t>《</a:t>
-            </a:r>
-            <a:r>
-              <a:rPr lang="zh-CN" altLang="en-US" b="1" i="0" dirty="0">
-                <a:solidFill>
-                  <a:srgbClr val="00B050"/>
-                </a:solidFill>
-                <a:effectLst/>
-                <a:latin typeface="Helvetica Neue"/>
-              </a:rPr>
-              <a:t>禄劝县志</a:t>
-            </a:r>
-            <a:r>
-              <a:rPr lang="en-US" altLang="zh-CN" b="1" i="0" dirty="0">
-                <a:solidFill>
-                  <a:srgbClr val="00B050"/>
-                </a:solidFill>
-                <a:effectLst/>
-                <a:latin typeface="Helvetica Neue"/>
-              </a:rPr>
-              <a:t>》</a:t>
-            </a:r>
-            <a:r>
-              <a:rPr lang="zh-CN" altLang="en-US" b="1" i="0" dirty="0">
-                <a:solidFill>
-                  <a:srgbClr val="00B050"/>
-                </a:solidFill>
-                <a:effectLst/>
-                <a:latin typeface="Helvetica Neue"/>
-              </a:rPr>
-              <a:t>载：“六月二十四日为火把节，亦谓星回节，夷人以此为度岁之日，犹汉人之星回于天除夕也。会饮至旬余不息，犹汉人之春宴相聚也。”</a:t>
-            </a:r>
-          </a:p>
-          <a:p>
-            <a:pPr algn="l">
-              <a:lnSpc>
-                <a:spcPts val="1800"/>
-              </a:lnSpc>
-              <a:spcAft>
-                <a:spcPts val="1125"/>
-              </a:spcAft>
-              <a:buNone/>
-            </a:pPr>
-            <a:r>
-              <a:rPr lang="en-US" altLang="zh-CN" b="1" i="0" dirty="0">
-                <a:solidFill>
-                  <a:srgbClr val="00B050"/>
-                </a:solidFill>
-                <a:effectLst/>
-                <a:latin typeface="Helvetica Neue"/>
-              </a:rPr>
-              <a:t>《</a:t>
-            </a:r>
-            <a:r>
-              <a:rPr lang="zh-CN" altLang="en-US" b="1" i="0" dirty="0">
-                <a:solidFill>
-                  <a:srgbClr val="00B050"/>
-                </a:solidFill>
-                <a:effectLst/>
-                <a:latin typeface="Helvetica Neue"/>
-              </a:rPr>
-              <a:t>路南（今石林县）州志</a:t>
-            </a:r>
-            <a:r>
-              <a:rPr lang="en-US" altLang="zh-CN" b="1" i="0" dirty="0">
-                <a:solidFill>
-                  <a:srgbClr val="00B050"/>
-                </a:solidFill>
-                <a:effectLst/>
-                <a:latin typeface="Helvetica Neue"/>
-              </a:rPr>
-              <a:t>》</a:t>
-            </a:r>
-            <a:r>
-              <a:rPr lang="zh-CN" altLang="en-US" b="1" i="0" dirty="0">
-                <a:solidFill>
-                  <a:srgbClr val="00B050"/>
-                </a:solidFill>
-                <a:effectLst/>
-                <a:latin typeface="Helvetica Neue"/>
-              </a:rPr>
-              <a:t>记载：“六月二十四日夜，束薪为燎，以腥肉为牲，互相馈赠，谓之星回节，俗称火把节”。是中国西南彝族人民心中最为隆重和盛大的民族传统节日，类似于汉族的春节，完整的记载始见于元代李京的</a:t>
-            </a:r>
-            <a:r>
-              <a:rPr lang="en-US" altLang="zh-CN" b="1" i="0" dirty="0">
-                <a:solidFill>
-                  <a:srgbClr val="00B050"/>
-                </a:solidFill>
-                <a:effectLst/>
-                <a:latin typeface="Helvetica Neue"/>
-              </a:rPr>
-              <a:t>《</a:t>
-            </a:r>
-            <a:r>
-              <a:rPr lang="zh-CN" altLang="en-US" b="1" i="0" dirty="0">
-                <a:solidFill>
-                  <a:srgbClr val="00B050"/>
-                </a:solidFill>
-                <a:effectLst/>
-                <a:latin typeface="Helvetica Neue"/>
-              </a:rPr>
-              <a:t>云南志略</a:t>
-            </a:r>
-            <a:r>
-              <a:rPr lang="en-US" altLang="zh-CN" b="1" i="0" dirty="0">
-                <a:solidFill>
-                  <a:srgbClr val="00B050"/>
-                </a:solidFill>
-                <a:effectLst/>
-                <a:latin typeface="Helvetica Neue"/>
-              </a:rPr>
-              <a:t>》</a:t>
-            </a:r>
-            <a:r>
-              <a:rPr lang="zh-CN" altLang="en-US" b="1" i="0" dirty="0">
-                <a:solidFill>
-                  <a:srgbClr val="00B050"/>
-                </a:solidFill>
-                <a:effectLst/>
-                <a:latin typeface="Helvetica Neue"/>
-              </a:rPr>
-              <a:t>：“六月二十四日通夕以高竿缚火炬照明”。</a:t>
-            </a:r>
-          </a:p>
-          <a:p>
-            <a:pPr algn="l">
-              <a:lnSpc>
-                <a:spcPts val="1800"/>
-              </a:lnSpc>
-              <a:spcAft>
-                <a:spcPts val="1125"/>
-              </a:spcAft>
-              <a:buNone/>
-            </a:pPr>
-            <a:r>
-              <a:rPr lang="zh-CN" altLang="en-US" b="1" i="0" dirty="0">
-                <a:solidFill>
-                  <a:srgbClr val="00B050"/>
-                </a:solidFill>
-                <a:effectLst/>
-                <a:latin typeface="Helvetica Neue"/>
-              </a:rPr>
-              <a:t>陆次云在</a:t>
-            </a:r>
-            <a:r>
-              <a:rPr lang="en-US" altLang="zh-CN" b="1" i="0" dirty="0">
-                <a:solidFill>
-                  <a:srgbClr val="00B050"/>
-                </a:solidFill>
-                <a:effectLst/>
-                <a:latin typeface="Helvetica Neue"/>
-              </a:rPr>
-              <a:t>《</a:t>
-            </a:r>
-            <a:r>
-              <a:rPr lang="zh-CN" altLang="en-US" b="1" i="0" dirty="0">
-                <a:solidFill>
-                  <a:srgbClr val="00B050"/>
-                </a:solidFill>
-                <a:effectLst/>
-                <a:latin typeface="Helvetica Neue"/>
-              </a:rPr>
-              <a:t>峒溪县志</a:t>
-            </a:r>
-            <a:r>
-              <a:rPr lang="en-US" altLang="zh-CN" b="1" i="0" dirty="0">
-                <a:solidFill>
-                  <a:srgbClr val="00B050"/>
-                </a:solidFill>
-                <a:effectLst/>
-                <a:latin typeface="Helvetica Neue"/>
-              </a:rPr>
-              <a:t>》</a:t>
-            </a:r>
-            <a:r>
-              <a:rPr lang="zh-CN" altLang="en-US" b="1" i="0" dirty="0">
-                <a:solidFill>
-                  <a:srgbClr val="00B050"/>
-                </a:solidFill>
-                <a:effectLst/>
-                <a:latin typeface="Helvetica Neue"/>
-              </a:rPr>
-              <a:t>中也说“六月二十四日为年”。纳西族也说“冬季春节为大，夏季火把节为大”。这些记载，表明火把节不仅与中国古代的星回节有关，而且与古代云南少数民族过年有关，是远古时代一个非常重要的节日。</a:t>
-            </a:r>
-          </a:p>
-          <a:p>
-            <a:pPr algn="l">
-              <a:lnSpc>
-                <a:spcPts val="1800"/>
-              </a:lnSpc>
-              <a:spcAft>
-                <a:spcPts val="1125"/>
-              </a:spcAft>
-              <a:buNone/>
-            </a:pPr>
-            <a:r>
-              <a:rPr lang="en-US" altLang="zh-CN" b="1" i="0" dirty="0">
-                <a:solidFill>
-                  <a:srgbClr val="00B050"/>
-                </a:solidFill>
-                <a:effectLst/>
-                <a:latin typeface="Helvetica Neue"/>
-              </a:rPr>
-              <a:t>1889</a:t>
-            </a:r>
-            <a:r>
-              <a:rPr lang="zh-CN" altLang="en-US" b="1" i="0" dirty="0">
-                <a:solidFill>
-                  <a:srgbClr val="00B050"/>
-                </a:solidFill>
-                <a:effectLst/>
-                <a:latin typeface="Helvetica Neue"/>
-              </a:rPr>
-              <a:t>年，法国传教士保禄</a:t>
-            </a:r>
-            <a:r>
-              <a:rPr lang="en-US" altLang="zh-CN" b="1" i="0" dirty="0">
-                <a:solidFill>
-                  <a:srgbClr val="00B050"/>
-                </a:solidFill>
-                <a:effectLst/>
-                <a:latin typeface="Helvetica Neue"/>
-              </a:rPr>
-              <a:t>·</a:t>
-            </a:r>
-            <a:r>
-              <a:rPr lang="zh-CN" altLang="en-US" b="1" i="0" dirty="0">
-                <a:solidFill>
-                  <a:srgbClr val="00B050"/>
-                </a:solidFill>
-                <a:effectLst/>
-                <a:latin typeface="Helvetica Neue"/>
-              </a:rPr>
-              <a:t>维亚尔在其有关石林彝族风情的</a:t>
-            </a:r>
-            <a:r>
-              <a:rPr lang="en-US" altLang="zh-CN" b="1" i="0" dirty="0">
-                <a:solidFill>
-                  <a:srgbClr val="00B050"/>
-                </a:solidFill>
-                <a:effectLst/>
-                <a:latin typeface="Helvetica Neue"/>
-              </a:rPr>
-              <a:t>《</a:t>
-            </a:r>
-            <a:r>
-              <a:rPr lang="zh-CN" altLang="en-US" b="1" i="0" dirty="0">
-                <a:solidFill>
-                  <a:srgbClr val="00B050"/>
-                </a:solidFill>
-                <a:effectLst/>
-                <a:latin typeface="Helvetica Neue"/>
-              </a:rPr>
-              <a:t>彝族人的一场竞技</a:t>
-            </a:r>
-            <a:r>
-              <a:rPr lang="en-US" altLang="zh-CN" b="1" i="0" dirty="0">
-                <a:solidFill>
-                  <a:srgbClr val="00B050"/>
-                </a:solidFill>
-                <a:effectLst/>
-                <a:latin typeface="Helvetica Neue"/>
-              </a:rPr>
-              <a:t>》</a:t>
-            </a:r>
-            <a:r>
-              <a:rPr lang="zh-CN" altLang="en-US" b="1" i="0" dirty="0">
-                <a:solidFill>
-                  <a:srgbClr val="00B050"/>
-                </a:solidFill>
-                <a:effectLst/>
-                <a:latin typeface="Helvetica Neue"/>
-              </a:rPr>
-              <a:t>一文中，以亲历者的眼光，记述了火把节的情况。解放后，石林独具特色的自然和民族风情，吸引着全国的文人骚客，到石林观光体验、创作。著名作家徐迟、方纪、夷仁等留下了记述火把节的名篇佳作</a:t>
-            </a:r>
-            <a:r>
-              <a:rPr lang="en-US" altLang="zh-CN" b="1" i="0" dirty="0">
-                <a:solidFill>
-                  <a:srgbClr val="00B050"/>
-                </a:solidFill>
-                <a:effectLst/>
-                <a:latin typeface="Helvetica Neue"/>
-              </a:rPr>
-              <a:t>《</a:t>
-            </a:r>
-            <a:r>
-              <a:rPr lang="zh-CN" altLang="en-US" b="1" i="0" dirty="0">
-                <a:solidFill>
-                  <a:srgbClr val="00B050"/>
-                </a:solidFill>
-                <a:effectLst/>
-                <a:latin typeface="Helvetica Neue"/>
-              </a:rPr>
-              <a:t>欢乐的火把节</a:t>
-            </a:r>
-            <a:r>
-              <a:rPr lang="en-US" altLang="zh-CN" b="1" i="0" dirty="0">
-                <a:solidFill>
-                  <a:srgbClr val="00B050"/>
-                </a:solidFill>
-                <a:effectLst/>
-                <a:latin typeface="Helvetica Neue"/>
-              </a:rPr>
-              <a:t>》</a:t>
-            </a:r>
-            <a:r>
-              <a:rPr lang="zh-CN" altLang="en-US" b="1" i="0" dirty="0">
-                <a:solidFill>
-                  <a:srgbClr val="00B050"/>
-                </a:solidFill>
-                <a:effectLst/>
-                <a:latin typeface="Helvetica Neue"/>
-              </a:rPr>
-              <a:t>和</a:t>
-            </a:r>
-            <a:r>
-              <a:rPr lang="en-US" altLang="zh-CN" b="1" i="0" dirty="0">
-                <a:solidFill>
-                  <a:srgbClr val="00B050"/>
-                </a:solidFill>
-                <a:effectLst/>
-                <a:latin typeface="Helvetica Neue"/>
-              </a:rPr>
-              <a:t>《</a:t>
-            </a:r>
-            <a:r>
-              <a:rPr lang="zh-CN" altLang="en-US" b="1" i="0" dirty="0">
-                <a:solidFill>
-                  <a:srgbClr val="00B050"/>
-                </a:solidFill>
-                <a:effectLst/>
-                <a:latin typeface="Helvetica Neue"/>
-              </a:rPr>
-              <a:t>火的节日－火把节</a:t>
-            </a:r>
-            <a:r>
-              <a:rPr lang="en-US" altLang="zh-CN" b="1" i="0" dirty="0">
-                <a:solidFill>
-                  <a:srgbClr val="00B050"/>
-                </a:solidFill>
-                <a:effectLst/>
-                <a:latin typeface="Helvetica Neue"/>
-              </a:rPr>
-              <a:t>》</a:t>
-            </a:r>
-            <a:r>
-              <a:rPr lang="zh-CN" altLang="en-US" b="1" i="0" dirty="0">
-                <a:solidFill>
-                  <a:srgbClr val="00B050"/>
-                </a:solidFill>
-                <a:effectLst/>
-                <a:latin typeface="Helvetica Neue"/>
-              </a:rPr>
-              <a:t>。上述火把节和星回节的资料中，</a:t>
-            </a:r>
-            <a:r>
-              <a:rPr lang="en-US" altLang="zh-CN" b="1" i="0" dirty="0">
-                <a:solidFill>
-                  <a:srgbClr val="00B050"/>
-                </a:solidFill>
-                <a:effectLst/>
-                <a:latin typeface="Helvetica Neue"/>
-              </a:rPr>
-              <a:t>《</a:t>
-            </a:r>
-            <a:r>
-              <a:rPr lang="zh-CN" altLang="en-US" b="1" i="0" dirty="0">
-                <a:solidFill>
-                  <a:srgbClr val="00B050"/>
-                </a:solidFill>
-                <a:effectLst/>
-                <a:latin typeface="Helvetica Neue"/>
-              </a:rPr>
-              <a:t>礼记</a:t>
-            </a:r>
-            <a:r>
-              <a:rPr lang="en-US" altLang="zh-CN" b="1" i="0" dirty="0">
-                <a:solidFill>
-                  <a:srgbClr val="00B050"/>
-                </a:solidFill>
-                <a:effectLst/>
-                <a:latin typeface="Helvetica Neue"/>
-              </a:rPr>
-              <a:t>》</a:t>
-            </a:r>
-            <a:r>
-              <a:rPr lang="zh-CN" altLang="en-US" b="1" i="0" dirty="0">
-                <a:solidFill>
-                  <a:srgbClr val="00B050"/>
-                </a:solidFill>
-                <a:effectLst/>
-                <a:latin typeface="Helvetica Neue"/>
-              </a:rPr>
-              <a:t>和</a:t>
-            </a:r>
-            <a:r>
-              <a:rPr lang="en-US" altLang="zh-CN" b="1" i="0" dirty="0">
-                <a:solidFill>
-                  <a:srgbClr val="00B050"/>
-                </a:solidFill>
-                <a:effectLst/>
-                <a:latin typeface="Helvetica Neue"/>
-              </a:rPr>
-              <a:t>《</a:t>
-            </a:r>
-            <a:r>
-              <a:rPr lang="zh-CN" altLang="en-US" b="1" i="0" dirty="0">
-                <a:solidFill>
-                  <a:srgbClr val="00B050"/>
-                </a:solidFill>
-                <a:effectLst/>
-                <a:latin typeface="Helvetica Neue"/>
-              </a:rPr>
-              <a:t>玉溪编事</a:t>
-            </a:r>
-            <a:r>
-              <a:rPr lang="en-US" altLang="zh-CN" b="1" i="0" dirty="0">
-                <a:solidFill>
-                  <a:srgbClr val="00B050"/>
-                </a:solidFill>
-                <a:effectLst/>
-                <a:latin typeface="Helvetica Neue"/>
-              </a:rPr>
-              <a:t>》</a:t>
-            </a:r>
-            <a:r>
-              <a:rPr lang="zh-CN" altLang="en-US" b="1" i="0" dirty="0">
-                <a:solidFill>
-                  <a:srgbClr val="00B050"/>
-                </a:solidFill>
-                <a:effectLst/>
-                <a:latin typeface="Helvetica Neue"/>
-              </a:rPr>
-              <a:t>中所讲的星回节都在冬季，不在夏季。而</a:t>
-            </a:r>
-            <a:r>
-              <a:rPr lang="en-US" altLang="zh-CN" b="1" i="0" dirty="0">
-                <a:solidFill>
-                  <a:srgbClr val="00B050"/>
-                </a:solidFill>
-                <a:effectLst/>
-                <a:latin typeface="Helvetica Neue"/>
-              </a:rPr>
-              <a:t>《</a:t>
-            </a:r>
-            <a:r>
-              <a:rPr lang="zh-CN" altLang="en-US" b="1" i="0" dirty="0">
-                <a:solidFill>
-                  <a:srgbClr val="00B050"/>
-                </a:solidFill>
-                <a:effectLst/>
-                <a:latin typeface="Helvetica Neue"/>
-              </a:rPr>
-              <a:t>禄劝县志</a:t>
-            </a:r>
-            <a:r>
-              <a:rPr lang="en-US" altLang="zh-CN" b="1" i="0" dirty="0">
-                <a:solidFill>
-                  <a:srgbClr val="00B050"/>
-                </a:solidFill>
-                <a:effectLst/>
-                <a:latin typeface="Helvetica Neue"/>
-              </a:rPr>
-              <a:t>》</a:t>
-            </a:r>
-            <a:r>
-              <a:rPr lang="zh-CN" altLang="en-US" b="1" i="0" dirty="0">
-                <a:solidFill>
-                  <a:srgbClr val="00B050"/>
-                </a:solidFill>
-                <a:effectLst/>
-                <a:latin typeface="Helvetica Neue"/>
-              </a:rPr>
-              <a:t>和</a:t>
-            </a:r>
-            <a:r>
-              <a:rPr lang="en-US" altLang="zh-CN" b="1" i="0" dirty="0">
-                <a:solidFill>
-                  <a:srgbClr val="00B050"/>
-                </a:solidFill>
-                <a:effectLst/>
-                <a:latin typeface="Helvetica Neue"/>
-              </a:rPr>
-              <a:t>《</a:t>
-            </a:r>
-            <a:r>
-              <a:rPr lang="zh-CN" altLang="en-US" b="1" i="0" dirty="0">
-                <a:solidFill>
-                  <a:srgbClr val="00B050"/>
-                </a:solidFill>
-                <a:effectLst/>
-                <a:latin typeface="Helvetica Neue"/>
-              </a:rPr>
-              <a:t>峒溪县志</a:t>
-            </a:r>
-            <a:r>
-              <a:rPr lang="en-US" altLang="zh-CN" b="1" i="0" dirty="0">
-                <a:solidFill>
-                  <a:srgbClr val="00B050"/>
-                </a:solidFill>
-                <a:effectLst/>
-                <a:latin typeface="Helvetica Neue"/>
-              </a:rPr>
-              <a:t>》</a:t>
-            </a:r>
-            <a:r>
-              <a:rPr lang="zh-CN" altLang="en-US" b="1" i="0" dirty="0">
-                <a:solidFill>
-                  <a:srgbClr val="00B050"/>
-                </a:solidFill>
-                <a:effectLst/>
-                <a:latin typeface="Helvetica Neue"/>
-              </a:rPr>
-              <a:t>讲到星回节和火把节都是过年的节日，时间是农历六月二十四日至二十六日前后一两天。</a:t>
-            </a:r>
-          </a:p>
-        </p:txBody>
-      </p:sp>
-    </p:spTree>
-    <p:extLst>
-      <p:ext uri="{BB962C8B-B14F-4D97-AF65-F5344CB8AC3E}">
-        <p14:creationId xmlns:p14="http://schemas.microsoft.com/office/powerpoint/2010/main" val="778960866"/>
-      </p:ext>
-    </p:extLst>
-  </p:cSld>
-  <p:clrMapOvr>
-    <a:masterClrMapping/>
-  </p:clrMapOvr>
-</p:sld>
-</file>
-
 <file path=ppt/theme/theme1.xml><?xml version="1.0" encoding="utf-8"?>
 <a:theme xmlns:a="http://schemas.openxmlformats.org/drawingml/2006/main" name="Office 主题​​">
   <a:themeElements>
